--- a/icon.pptx
+++ b/icon.pptx
@@ -105,6 +105,11 @@
       </a:defRPr>
     </a:lvl9pPr>
   </p:defaultTextStyle>
+  <p:extLst>
+    <p:ext uri="{EFAFB233-063F-42B5-8137-9DF3F51BA10A}">
+      <p15:sldGuideLst xmlns:p15="http://schemas.microsoft.com/office/powerpoint/2012/main"/>
+    </p:ext>
+  </p:extLst>
 </p:presentation>
 </file>
 
@@ -239,7 +244,7 @@
           <a:p>
             <a:fld id="{6811D620-B532-4EA6-96CB-B14A1A06E954}" type="datetimeFigureOut">
               <a:rPr lang="en-US" smtClean="0"/>
-              <a:t>8/5/2019</a:t>
+              <a:t>8/6/2019</a:t>
             </a:fld>
             <a:endParaRPr lang="en-US"/>
           </a:p>
@@ -409,7 +414,7 @@
           <a:p>
             <a:fld id="{6811D620-B532-4EA6-96CB-B14A1A06E954}" type="datetimeFigureOut">
               <a:rPr lang="en-US" smtClean="0"/>
-              <a:t>8/5/2019</a:t>
+              <a:t>8/6/2019</a:t>
             </a:fld>
             <a:endParaRPr lang="en-US"/>
           </a:p>
@@ -589,7 +594,7 @@
           <a:p>
             <a:fld id="{6811D620-B532-4EA6-96CB-B14A1A06E954}" type="datetimeFigureOut">
               <a:rPr lang="en-US" smtClean="0"/>
-              <a:t>8/5/2019</a:t>
+              <a:t>8/6/2019</a:t>
             </a:fld>
             <a:endParaRPr lang="en-US"/>
           </a:p>
@@ -759,7 +764,7 @@
           <a:p>
             <a:fld id="{6811D620-B532-4EA6-96CB-B14A1A06E954}" type="datetimeFigureOut">
               <a:rPr lang="en-US" smtClean="0"/>
-              <a:t>8/5/2019</a:t>
+              <a:t>8/6/2019</a:t>
             </a:fld>
             <a:endParaRPr lang="en-US"/>
           </a:p>
@@ -1003,7 +1008,7 @@
           <a:p>
             <a:fld id="{6811D620-B532-4EA6-96CB-B14A1A06E954}" type="datetimeFigureOut">
               <a:rPr lang="en-US" smtClean="0"/>
-              <a:t>8/5/2019</a:t>
+              <a:t>8/6/2019</a:t>
             </a:fld>
             <a:endParaRPr lang="en-US"/>
           </a:p>
@@ -1235,7 +1240,7 @@
           <a:p>
             <a:fld id="{6811D620-B532-4EA6-96CB-B14A1A06E954}" type="datetimeFigureOut">
               <a:rPr lang="en-US" smtClean="0"/>
-              <a:t>8/5/2019</a:t>
+              <a:t>8/6/2019</a:t>
             </a:fld>
             <a:endParaRPr lang="en-US"/>
           </a:p>
@@ -1602,7 +1607,7 @@
           <a:p>
             <a:fld id="{6811D620-B532-4EA6-96CB-B14A1A06E954}" type="datetimeFigureOut">
               <a:rPr lang="en-US" smtClean="0"/>
-              <a:t>8/5/2019</a:t>
+              <a:t>8/6/2019</a:t>
             </a:fld>
             <a:endParaRPr lang="en-US"/>
           </a:p>
@@ -1720,7 +1725,7 @@
           <a:p>
             <a:fld id="{6811D620-B532-4EA6-96CB-B14A1A06E954}" type="datetimeFigureOut">
               <a:rPr lang="en-US" smtClean="0"/>
-              <a:t>8/5/2019</a:t>
+              <a:t>8/6/2019</a:t>
             </a:fld>
             <a:endParaRPr lang="en-US"/>
           </a:p>
@@ -1815,7 +1820,7 @@
           <a:p>
             <a:fld id="{6811D620-B532-4EA6-96CB-B14A1A06E954}" type="datetimeFigureOut">
               <a:rPr lang="en-US" smtClean="0"/>
-              <a:t>8/5/2019</a:t>
+              <a:t>8/6/2019</a:t>
             </a:fld>
             <a:endParaRPr lang="en-US"/>
           </a:p>
@@ -2092,7 +2097,7 @@
           <a:p>
             <a:fld id="{6811D620-B532-4EA6-96CB-B14A1A06E954}" type="datetimeFigureOut">
               <a:rPr lang="en-US" smtClean="0"/>
-              <a:t>8/5/2019</a:t>
+              <a:t>8/6/2019</a:t>
             </a:fld>
             <a:endParaRPr lang="en-US"/>
           </a:p>
@@ -2349,7 +2354,7 @@
           <a:p>
             <a:fld id="{6811D620-B532-4EA6-96CB-B14A1A06E954}" type="datetimeFigureOut">
               <a:rPr lang="en-US" smtClean="0"/>
-              <a:t>8/5/2019</a:t>
+              <a:t>8/6/2019</a:t>
             </a:fld>
             <a:endParaRPr lang="en-US"/>
           </a:p>
@@ -2562,7 +2567,7 @@
           <a:p>
             <a:fld id="{6811D620-B532-4EA6-96CB-B14A1A06E954}" type="datetimeFigureOut">
               <a:rPr lang="en-US" smtClean="0"/>
-              <a:t>8/5/2019</a:t>
+              <a:t>8/6/2019</a:t>
             </a:fld>
             <a:endParaRPr lang="en-US"/>
           </a:p>
@@ -2969,6 +2974,56 @@
       </p:grpSpPr>
       <p:sp>
         <p:nvSpPr>
+          <p:cNvPr id="2" name="Rectangle 1">
+            <a:extLst>
+              <a:ext uri="{FF2B5EF4-FFF2-40B4-BE49-F238E27FC236}">
+                <a16:creationId xmlns:a16="http://schemas.microsoft.com/office/drawing/2014/main" id="{9B9318DF-4B25-4067-B14B-AD4755124BC2}"/>
+              </a:ext>
+            </a:extLst>
+          </p:cNvPr>
+          <p:cNvSpPr/>
+          <p:nvPr/>
+        </p:nvSpPr>
+        <p:spPr>
+          <a:xfrm>
+            <a:off x="2148840" y="1005840"/>
+            <a:ext cx="4846320" cy="4846320"/>
+          </a:xfrm>
+          <a:prstGeom prst="rect">
+            <a:avLst/>
+          </a:prstGeom>
+          <a:noFill/>
+          <a:ln>
+            <a:noFill/>
+          </a:ln>
+        </p:spPr>
+        <p:style>
+          <a:lnRef idx="2">
+            <a:schemeClr val="accent1">
+              <a:shade val="50000"/>
+            </a:schemeClr>
+          </a:lnRef>
+          <a:fillRef idx="1">
+            <a:schemeClr val="accent1"/>
+          </a:fillRef>
+          <a:effectRef idx="0">
+            <a:schemeClr val="accent1"/>
+          </a:effectRef>
+          <a:fontRef idx="minor">
+            <a:schemeClr val="lt1"/>
+          </a:fontRef>
+        </p:style>
+        <p:txBody>
+          <a:bodyPr rtlCol="0" anchor="ctr"/>
+          <a:lstStyle/>
+          <a:p>
+            <a:pPr algn="ctr"/>
+            <a:endParaRPr lang="en-US"/>
+          </a:p>
+        </p:txBody>
+      </p:sp>
+      <p:sp>
+        <p:nvSpPr>
           <p:cNvPr id="5" name="Rectangle 4">
             <a:extLst>
               <a:ext uri="{FF2B5EF4-FFF2-40B4-BE49-F238E27FC236}">
@@ -2981,7 +3036,7 @@
         </p:nvSpPr>
         <p:spPr>
           <a:xfrm rot="2172960">
-            <a:off x="3807051" y="2883295"/>
+            <a:off x="3604069" y="2981346"/>
             <a:ext cx="1935863" cy="788087"/>
           </a:xfrm>
           <a:prstGeom prst="rect">
@@ -3033,7 +3088,7 @@
         </p:nvSpPr>
         <p:spPr>
           <a:xfrm rot="12968558" flipH="1">
-            <a:off x="3467252" y="1619637"/>
+            <a:off x="3264270" y="1717688"/>
             <a:ext cx="1572768" cy="1572768"/>
           </a:xfrm>
           <a:prstGeom prst="pie">
@@ -3092,7 +3147,7 @@
         </p:nvSpPr>
         <p:spPr>
           <a:xfrm rot="2168100" flipH="1">
-            <a:off x="4515501" y="3362295"/>
+            <a:off x="4312519" y="3460346"/>
             <a:ext cx="1572768" cy="1572768"/>
           </a:xfrm>
           <a:prstGeom prst="pie">
@@ -3151,7 +3206,7 @@
         </p:nvGrpSpPr>
         <p:grpSpPr>
           <a:xfrm rot="2124876">
-            <a:off x="2978236" y="4046437"/>
+            <a:off x="2775254" y="4144488"/>
             <a:ext cx="2385423" cy="788088"/>
             <a:chOff x="4568458" y="5256911"/>
             <a:chExt cx="2385423" cy="788088"/>
@@ -3349,7 +3404,7 @@
         </p:nvGrpSpPr>
         <p:grpSpPr>
           <a:xfrm rot="2124876">
-            <a:off x="4315598" y="1772355"/>
+            <a:off x="4112616" y="1870406"/>
             <a:ext cx="2385423" cy="788088"/>
             <a:chOff x="4568458" y="5256911"/>
             <a:chExt cx="2385423" cy="788088"/>
